--- a/Later/Java Why Use Nested Classes/Java Why Use Nested Classes.pptx
+++ b/Later/Java Why Use Nested Classes/Java Why Use Nested Classes.pptx
@@ -192,7 +192,7 @@
           <a:p>
             <a:fld id="{62274EC6-3890-417B-9308-14EFBD00FA63}" type="datetimeFigureOut">
               <a:rPr lang="en-US" smtClean="0"/>
-              <a:t>11/26/2015</a:t>
+              <a:t>12/1/2015</a:t>
             </a:fld>
             <a:endParaRPr lang="en-US" dirty="0"/>
           </a:p>
@@ -731,7 +731,7 @@
             <a:fld id="{1D8BD707-D9CF-40AE-B4C6-C98DA3205C09}" type="datetimeFigureOut">
               <a:rPr lang="en-US" smtClean="0"/>
               <a:pPr/>
-              <a:t>11/26/2015</a:t>
+              <a:t>12/1/2015</a:t>
             </a:fld>
             <a:endParaRPr lang="en-US" dirty="0"/>
           </a:p>
@@ -903,7 +903,7 @@
             <a:fld id="{1D8BD707-D9CF-40AE-B4C6-C98DA3205C09}" type="datetimeFigureOut">
               <a:rPr lang="en-US" smtClean="0"/>
               <a:pPr/>
-              <a:t>11/26/2015</a:t>
+              <a:t>12/1/2015</a:t>
             </a:fld>
             <a:endParaRPr lang="en-US" dirty="0"/>
           </a:p>
@@ -1085,7 +1085,7 @@
             <a:fld id="{1D8BD707-D9CF-40AE-B4C6-C98DA3205C09}" type="datetimeFigureOut">
               <a:rPr lang="en-US" smtClean="0"/>
               <a:pPr/>
-              <a:t>11/26/2015</a:t>
+              <a:t>12/1/2015</a:t>
             </a:fld>
             <a:endParaRPr lang="en-US" dirty="0"/>
           </a:p>
@@ -1257,7 +1257,7 @@
             <a:fld id="{1D8BD707-D9CF-40AE-B4C6-C98DA3205C09}" type="datetimeFigureOut">
               <a:rPr lang="en-US" smtClean="0"/>
               <a:pPr/>
-              <a:t>11/26/2015</a:t>
+              <a:t>12/1/2015</a:t>
             </a:fld>
             <a:endParaRPr lang="en-US" dirty="0"/>
           </a:p>
@@ -1505,7 +1505,7 @@
             <a:fld id="{1D8BD707-D9CF-40AE-B4C6-C98DA3205C09}" type="datetimeFigureOut">
               <a:rPr lang="en-US" smtClean="0"/>
               <a:pPr/>
-              <a:t>11/26/2015</a:t>
+              <a:t>12/1/2015</a:t>
             </a:fld>
             <a:endParaRPr lang="en-US" dirty="0"/>
           </a:p>
@@ -1795,7 +1795,7 @@
             <a:fld id="{1D8BD707-D9CF-40AE-B4C6-C98DA3205C09}" type="datetimeFigureOut">
               <a:rPr lang="en-US" smtClean="0"/>
               <a:pPr/>
-              <a:t>11/26/2015</a:t>
+              <a:t>12/1/2015</a:t>
             </a:fld>
             <a:endParaRPr lang="en-US" dirty="0"/>
           </a:p>
@@ -2224,7 +2224,7 @@
             <a:fld id="{1D8BD707-D9CF-40AE-B4C6-C98DA3205C09}" type="datetimeFigureOut">
               <a:rPr lang="en-US" smtClean="0"/>
               <a:pPr/>
-              <a:t>11/26/2015</a:t>
+              <a:t>12/1/2015</a:t>
             </a:fld>
             <a:endParaRPr lang="en-US" dirty="0"/>
           </a:p>
@@ -2344,7 +2344,7 @@
             <a:fld id="{1D8BD707-D9CF-40AE-B4C6-C98DA3205C09}" type="datetimeFigureOut">
               <a:rPr lang="en-US" smtClean="0"/>
               <a:pPr/>
-              <a:t>11/26/2015</a:t>
+              <a:t>12/1/2015</a:t>
             </a:fld>
             <a:endParaRPr lang="en-US" dirty="0"/>
           </a:p>
@@ -2441,7 +2441,7 @@
             <a:fld id="{1D8BD707-D9CF-40AE-B4C6-C98DA3205C09}" type="datetimeFigureOut">
               <a:rPr lang="en-US" smtClean="0"/>
               <a:pPr/>
-              <a:t>11/26/2015</a:t>
+              <a:t>12/1/2015</a:t>
             </a:fld>
             <a:endParaRPr lang="en-US" dirty="0"/>
           </a:p>
@@ -2720,7 +2720,7 @@
             <a:fld id="{1D8BD707-D9CF-40AE-B4C6-C98DA3205C09}" type="datetimeFigureOut">
               <a:rPr lang="en-US" smtClean="0"/>
               <a:pPr/>
-              <a:t>11/26/2015</a:t>
+              <a:t>12/1/2015</a:t>
             </a:fld>
             <a:endParaRPr lang="en-US" dirty="0"/>
           </a:p>
@@ -2975,7 +2975,7 @@
             <a:fld id="{1D8BD707-D9CF-40AE-B4C6-C98DA3205C09}" type="datetimeFigureOut">
               <a:rPr lang="en-US" smtClean="0"/>
               <a:pPr/>
-              <a:t>11/26/2015</a:t>
+              <a:t>12/1/2015</a:t>
             </a:fld>
             <a:endParaRPr lang="en-US" dirty="0"/>
           </a:p>
@@ -3190,7 +3190,7 @@
             <a:fld id="{1D8BD707-D9CF-40AE-B4C6-C98DA3205C09}" type="datetimeFigureOut">
               <a:rPr lang="en-US" smtClean="0"/>
               <a:pPr/>
-              <a:t>11/26/2015</a:t>
+              <a:t>12/1/2015</a:t>
             </a:fld>
             <a:endParaRPr lang="en-US" dirty="0"/>
           </a:p>
@@ -3883,8 +3883,16 @@
           <a:lstStyle/>
           <a:p>
             <a:r>
+              <a:rPr lang="en-US" sz="1400" dirty="0"/>
+              <a:t>c</a:t>
+            </a:r>
+            <a:r>
               <a:rPr lang="en-US" sz="1400" dirty="0" smtClean="0"/>
-              <a:t>Class A</a:t>
+              <a:t>lass </a:t>
+            </a:r>
+            <a:r>
+              <a:rPr lang="en-US" sz="1400" dirty="0" smtClean="0"/>
+              <a:t>A</a:t>
             </a:r>
           </a:p>
           <a:p>
@@ -3946,8 +3954,16 @@
           <a:lstStyle/>
           <a:p>
             <a:r>
+              <a:rPr lang="en-US" sz="1400" dirty="0"/>
+              <a:t>c</a:t>
+            </a:r>
+            <a:r>
               <a:rPr lang="en-US" sz="1400" dirty="0" smtClean="0"/>
-              <a:t>Class B</a:t>
+              <a:t>lass </a:t>
+            </a:r>
+            <a:r>
+              <a:rPr lang="en-US" sz="1400" dirty="0" smtClean="0"/>
+              <a:t>B</a:t>
             </a:r>
           </a:p>
           <a:p>
@@ -4009,8 +4025,16 @@
           <a:lstStyle/>
           <a:p>
             <a:r>
+              <a:rPr lang="en-US" sz="1400" dirty="0"/>
+              <a:t>c</a:t>
+            </a:r>
+            <a:r>
               <a:rPr lang="en-US" sz="1400" dirty="0" smtClean="0"/>
-              <a:t>Class A</a:t>
+              <a:t>lass </a:t>
+            </a:r>
+            <a:r>
+              <a:rPr lang="en-US" sz="1400" dirty="0" smtClean="0"/>
+              <a:t>A</a:t>
             </a:r>
           </a:p>
           <a:p>
@@ -4021,12 +4045,20 @@
           </a:p>
           <a:p>
             <a:r>
-              <a:rPr lang="en-US" sz="1400" dirty="0"/>
+              <a:rPr lang="en-US" sz="1400"/>
               <a:t> </a:t>
             </a:r>
             <a:r>
+              <a:rPr lang="en-US" sz="1400" smtClean="0"/>
+              <a:t>  </a:t>
+            </a:r>
+            <a:r>
+              <a:rPr lang="en-US" sz="1400" smtClean="0"/>
+              <a:t>class </a:t>
+            </a:r>
+            <a:r>
               <a:rPr lang="en-US" sz="1400" dirty="0" smtClean="0"/>
-              <a:t>  Class B</a:t>
+              <a:t>B</a:t>
             </a:r>
           </a:p>
           <a:p>
@@ -4230,7 +4262,6 @@
               <a:rPr lang="en-US" sz="1200" dirty="0"/>
               <a:t>: If a class is useful to only one other class, then it is logical to embed it in that class and keep the two together. Nesting such "helper classes" makes their package more streamlined.</a:t>
             </a:r>
-            <a:endParaRPr lang="en-US" sz="1200" dirty="0"/>
           </a:p>
         </p:txBody>
       </p:sp>
@@ -4295,7 +4326,6 @@
               <a:rPr lang="en-US" sz="1200" dirty="0"/>
               <a:t>small classes within top-level classes places the code closer to where it is used.</a:t>
             </a:r>
-            <a:endParaRPr lang="en-US" sz="1200" dirty="0"/>
           </a:p>
         </p:txBody>
       </p:sp>
@@ -4351,7 +4381,6 @@
               <a:rPr lang="en-US" sz="1200" dirty="0"/>
               <a:t>By hiding class B within class A, A's members can be declared private and B can access them. In addition, B itself can be hidden from the outside world.</a:t>
             </a:r>
-            <a:endParaRPr lang="en-US" sz="1200" dirty="0"/>
           </a:p>
         </p:txBody>
       </p:sp>
